--- a/Project 2.pptx
+++ b/Project 2.pptx
@@ -12,6 +12,8 @@
     <p:sldId id="259" r:id="rId6"/>
     <p:sldId id="261" r:id="rId7"/>
     <p:sldId id="262" r:id="rId8"/>
+    <p:sldId id="263" r:id="rId9"/>
+    <p:sldId id="264" r:id="rId10"/>
   </p:sldIdLst>
   <p:sldSz cx="12192000" cy="6858000"/>
   <p:notesSz cx="6858000" cy="9144000"/>
@@ -110,6 +112,11 @@
       </a:defRPr>
     </a:lvl9pPr>
   </p:defaultTextStyle>
+  <p:extLst>
+    <p:ext uri="{EFAFB233-063F-42B5-8137-9DF3F51BA10A}">
+      <p15:sldGuideLst xmlns:p15="http://schemas.microsoft.com/office/powerpoint/2012/main"/>
+    </p:ext>
+  </p:extLst>
 </p:presentation>
 </file>
 
@@ -4358,7 +4365,11 @@
           <a:p>
             <a:r>
               <a:rPr lang="en-US" altLang="zh-CN" dirty="0"/>
-              <a:t>Ext. 3: Recover the Object’s Movement</a:t>
+              <a:t>Ext. 3: </a:t>
+            </a:r>
+            <a:r>
+              <a:rPr lang="en-US" altLang="zh-CN" sz="3200" dirty="0"/>
+              <a:t>Recover the Object’s Movement</a:t>
             </a:r>
             <a:endParaRPr lang="zh-CN" altLang="en-US" dirty="0"/>
           </a:p>
@@ -4476,6 +4487,226 @@
     <p:extLst>
       <p:ext uri="{BB962C8B-B14F-4D97-AF65-F5344CB8AC3E}">
         <p14:creationId xmlns:p14="http://schemas.microsoft.com/office/powerpoint/2010/main" val="2808849538"/>
+      </p:ext>
+    </p:extLst>
+  </p:cSld>
+  <p:clrMapOvr>
+    <a:masterClrMapping/>
+  </p:clrMapOvr>
+</p:sld>
+</file>
+
+<file path=ppt/slides/slide8.xml><?xml version="1.0" encoding="utf-8"?>
+<p:sld xmlns:a="http://schemas.openxmlformats.org/drawingml/2006/main" xmlns:r="http://schemas.openxmlformats.org/officeDocument/2006/relationships" xmlns:p="http://schemas.openxmlformats.org/presentationml/2006/main">
+  <p:cSld>
+    <p:spTree>
+      <p:nvGrpSpPr>
+        <p:cNvPr id="1" name=""/>
+        <p:cNvGrpSpPr/>
+        <p:nvPr/>
+      </p:nvGrpSpPr>
+      <p:grpSpPr>
+        <a:xfrm>
+          <a:off x="0" y="0"/>
+          <a:ext cx="0" cy="0"/>
+          <a:chOff x="0" y="0"/>
+          <a:chExt cx="0" cy="0"/>
+        </a:xfrm>
+      </p:grpSpPr>
+      <p:sp>
+        <p:nvSpPr>
+          <p:cNvPr id="2" name="标题 1">
+            <a:extLst>
+              <a:ext uri="{FF2B5EF4-FFF2-40B4-BE49-F238E27FC236}">
+                <a16:creationId xmlns:a16="http://schemas.microsoft.com/office/drawing/2014/main" id="{90C63FB8-C4FF-9AFF-C4FC-00521A63ECB6}"/>
+              </a:ext>
+            </a:extLst>
+          </p:cNvPr>
+          <p:cNvSpPr>
+            <a:spLocks noGrp="1"/>
+          </p:cNvSpPr>
+          <p:nvPr>
+            <p:ph type="title"/>
+          </p:nvPr>
+        </p:nvSpPr>
+        <p:spPr/>
+        <p:txBody>
+          <a:bodyPr/>
+          <a:lstStyle/>
+          <a:p>
+            <a:r>
+              <a:rPr lang="en-US" altLang="zh-CN" dirty="0"/>
+              <a:t>Ext. 4: Coding Habits</a:t>
+            </a:r>
+            <a:r>
+              <a:rPr lang="en-US" altLang="zh-CN" sz="3600" dirty="0"/>
+              <a:t>—Encapsulation, </a:t>
+            </a:r>
+            <a:r>
+              <a:rPr lang="en-US" altLang="zh-CN" sz="3600" dirty="0" err="1">
+                <a:latin typeface="Consolas" panose="020B0609020204030204" pitchFamily="49" charset="0"/>
+              </a:rPr>
+              <a:t>varargin</a:t>
+            </a:r>
+            <a:endParaRPr lang="zh-CN" altLang="en-US" dirty="0">
+              <a:latin typeface="Consolas" panose="020B0609020204030204" pitchFamily="49" charset="0"/>
+            </a:endParaRPr>
+          </a:p>
+        </p:txBody>
+      </p:sp>
+      <p:pic>
+        <p:nvPicPr>
+          <p:cNvPr id="7" name="图片 6">
+            <a:extLst>
+              <a:ext uri="{FF2B5EF4-FFF2-40B4-BE49-F238E27FC236}">
+                <a16:creationId xmlns:a16="http://schemas.microsoft.com/office/drawing/2014/main" id="{53F202F2-9C81-23EA-46A2-E672EB9C30C1}"/>
+              </a:ext>
+            </a:extLst>
+          </p:cNvPr>
+          <p:cNvPicPr>
+            <a:picLocks noChangeAspect="1"/>
+          </p:cNvPicPr>
+          <p:nvPr/>
+        </p:nvPicPr>
+        <p:blipFill>
+          <a:blip r:embed="rId2"/>
+          <a:stretch>
+            <a:fillRect/>
+          </a:stretch>
+        </p:blipFill>
+        <p:spPr>
+          <a:xfrm>
+            <a:off x="1147618" y="3738133"/>
+            <a:ext cx="9896764" cy="2879722"/>
+          </a:xfrm>
+          <a:prstGeom prst="rect">
+            <a:avLst/>
+          </a:prstGeom>
+        </p:spPr>
+      </p:pic>
+      <p:pic>
+        <p:nvPicPr>
+          <p:cNvPr id="8" name="图片 7">
+            <a:extLst>
+              <a:ext uri="{FF2B5EF4-FFF2-40B4-BE49-F238E27FC236}">
+                <a16:creationId xmlns:a16="http://schemas.microsoft.com/office/drawing/2014/main" id="{DA9F3A86-A51B-4D9D-3AA0-D198EC367CDA}"/>
+              </a:ext>
+            </a:extLst>
+          </p:cNvPr>
+          <p:cNvPicPr>
+            <a:picLocks noChangeAspect="1"/>
+          </p:cNvPicPr>
+          <p:nvPr/>
+        </p:nvPicPr>
+        <p:blipFill>
+          <a:blip r:embed="rId3"/>
+          <a:stretch>
+            <a:fillRect/>
+          </a:stretch>
+        </p:blipFill>
+        <p:spPr>
+          <a:xfrm>
+            <a:off x="2847478" y="1885031"/>
+            <a:ext cx="7106642" cy="2829320"/>
+          </a:xfrm>
+          <a:prstGeom prst="rect">
+            <a:avLst/>
+          </a:prstGeom>
+        </p:spPr>
+      </p:pic>
+    </p:spTree>
+    <p:extLst>
+      <p:ext uri="{BB962C8B-B14F-4D97-AF65-F5344CB8AC3E}">
+        <p14:creationId xmlns:p14="http://schemas.microsoft.com/office/powerpoint/2010/main" val="3153939457"/>
+      </p:ext>
+    </p:extLst>
+  </p:cSld>
+  <p:clrMapOvr>
+    <a:masterClrMapping/>
+  </p:clrMapOvr>
+</p:sld>
+</file>
+
+<file path=ppt/slides/slide9.xml><?xml version="1.0" encoding="utf-8"?>
+<p:sld xmlns:a="http://schemas.openxmlformats.org/drawingml/2006/main" xmlns:r="http://schemas.openxmlformats.org/officeDocument/2006/relationships" xmlns:p="http://schemas.openxmlformats.org/presentationml/2006/main">
+  <p:cSld>
+    <p:spTree>
+      <p:nvGrpSpPr>
+        <p:cNvPr id="1" name=""/>
+        <p:cNvGrpSpPr/>
+        <p:nvPr/>
+      </p:nvGrpSpPr>
+      <p:grpSpPr>
+        <a:xfrm>
+          <a:off x="0" y="0"/>
+          <a:ext cx="0" cy="0"/>
+          <a:chOff x="0" y="0"/>
+          <a:chExt cx="0" cy="0"/>
+        </a:xfrm>
+      </p:grpSpPr>
+      <p:sp>
+        <p:nvSpPr>
+          <p:cNvPr id="2" name="标题 1">
+            <a:extLst>
+              <a:ext uri="{FF2B5EF4-FFF2-40B4-BE49-F238E27FC236}">
+                <a16:creationId xmlns:a16="http://schemas.microsoft.com/office/drawing/2014/main" id="{26E11EAB-FE1E-4140-13A7-2E4F1948A501}"/>
+              </a:ext>
+            </a:extLst>
+          </p:cNvPr>
+          <p:cNvSpPr>
+            <a:spLocks noGrp="1"/>
+          </p:cNvSpPr>
+          <p:nvPr>
+            <p:ph type="title"/>
+          </p:nvPr>
+        </p:nvSpPr>
+        <p:spPr/>
+        <p:txBody>
+          <a:bodyPr/>
+          <a:lstStyle/>
+          <a:p>
+            <a:r>
+              <a:rPr lang="en-US" altLang="zh-CN" dirty="0"/>
+              <a:t>Ext 4: Coding Habits——Git</a:t>
+            </a:r>
+            <a:endParaRPr lang="zh-CN" altLang="en-US" dirty="0"/>
+          </a:p>
+        </p:txBody>
+      </p:sp>
+      <p:pic>
+        <p:nvPicPr>
+          <p:cNvPr id="4" name="图片 3">
+            <a:extLst>
+              <a:ext uri="{FF2B5EF4-FFF2-40B4-BE49-F238E27FC236}">
+                <a16:creationId xmlns:a16="http://schemas.microsoft.com/office/drawing/2014/main" id="{4E8161B0-2BB1-220D-EE07-5CF4D382D771}"/>
+              </a:ext>
+            </a:extLst>
+          </p:cNvPr>
+          <p:cNvPicPr>
+            <a:picLocks noChangeAspect="1"/>
+          </p:cNvPicPr>
+          <p:nvPr/>
+        </p:nvPicPr>
+        <p:blipFill>
+          <a:blip r:embed="rId2"/>
+          <a:stretch>
+            <a:fillRect/>
+          </a:stretch>
+        </p:blipFill>
+        <p:spPr>
+          <a:xfrm>
+            <a:off x="2428363" y="1520131"/>
+            <a:ext cx="7335274" cy="4972744"/>
+          </a:xfrm>
+          <a:prstGeom prst="rect">
+            <a:avLst/>
+          </a:prstGeom>
+        </p:spPr>
+      </p:pic>
+    </p:spTree>
+    <p:extLst>
+      <p:ext uri="{BB962C8B-B14F-4D97-AF65-F5344CB8AC3E}">
+        <p14:creationId xmlns:p14="http://schemas.microsoft.com/office/powerpoint/2010/main" val="631145581"/>
       </p:ext>
     </p:extLst>
   </p:cSld>

--- a/Project 2.pptx
+++ b/Project 2.pptx
@@ -14,6 +14,7 @@
     <p:sldId id="262" r:id="rId8"/>
     <p:sldId id="263" r:id="rId9"/>
     <p:sldId id="264" r:id="rId10"/>
+    <p:sldId id="265" r:id="rId11"/>
   </p:sldIdLst>
   <p:sldSz cx="12192000" cy="6858000"/>
   <p:notesSz cx="6858000" cy="9144000"/>
@@ -3394,6 +3395,120 @@
     <p:extLst>
       <p:ext uri="{BB962C8B-B14F-4D97-AF65-F5344CB8AC3E}">
         <p14:creationId xmlns:p14="http://schemas.microsoft.com/office/powerpoint/2010/main" val="1048554344"/>
+      </p:ext>
+    </p:extLst>
+  </p:cSld>
+  <p:clrMapOvr>
+    <a:masterClrMapping/>
+  </p:clrMapOvr>
+</p:sld>
+</file>
+
+<file path=ppt/slides/slide10.xml><?xml version="1.0" encoding="utf-8"?>
+<p:sld xmlns:a="http://schemas.openxmlformats.org/drawingml/2006/main" xmlns:r="http://schemas.openxmlformats.org/officeDocument/2006/relationships" xmlns:p="http://schemas.openxmlformats.org/presentationml/2006/main">
+  <p:cSld>
+    <p:spTree>
+      <p:nvGrpSpPr>
+        <p:cNvPr id="1" name=""/>
+        <p:cNvGrpSpPr/>
+        <p:nvPr/>
+      </p:nvGrpSpPr>
+      <p:grpSpPr>
+        <a:xfrm>
+          <a:off x="0" y="0"/>
+          <a:ext cx="0" cy="0"/>
+          <a:chOff x="0" y="0"/>
+          <a:chExt cx="0" cy="0"/>
+        </a:xfrm>
+      </p:grpSpPr>
+      <p:sp>
+        <p:nvSpPr>
+          <p:cNvPr id="2" name="标题 1">
+            <a:extLst>
+              <a:ext uri="{FF2B5EF4-FFF2-40B4-BE49-F238E27FC236}">
+                <a16:creationId xmlns:a16="http://schemas.microsoft.com/office/drawing/2014/main" id="{6F8DEE4F-D931-1264-AB00-FB58EC6F9AA7}"/>
+              </a:ext>
+            </a:extLst>
+          </p:cNvPr>
+          <p:cNvSpPr>
+            <a:spLocks noGrp="1"/>
+          </p:cNvSpPr>
+          <p:nvPr>
+            <p:ph type="title"/>
+          </p:nvPr>
+        </p:nvSpPr>
+        <p:spPr/>
+        <p:txBody>
+          <a:bodyPr/>
+          <a:lstStyle/>
+          <a:p>
+            <a:r>
+              <a:rPr lang="en-US" altLang="zh-CN"/>
+              <a:t>Conclusion</a:t>
+            </a:r>
+            <a:endParaRPr lang="zh-CN" altLang="en-US"/>
+          </a:p>
+        </p:txBody>
+      </p:sp>
+      <p:sp>
+        <p:nvSpPr>
+          <p:cNvPr id="3" name="内容占位符 2">
+            <a:extLst>
+              <a:ext uri="{FF2B5EF4-FFF2-40B4-BE49-F238E27FC236}">
+                <a16:creationId xmlns:a16="http://schemas.microsoft.com/office/drawing/2014/main" id="{EAC1443F-5001-8600-C4B3-96536FD71D32}"/>
+              </a:ext>
+            </a:extLst>
+          </p:cNvPr>
+          <p:cNvSpPr>
+            <a:spLocks noGrp="1"/>
+          </p:cNvSpPr>
+          <p:nvPr>
+            <p:ph idx="1"/>
+          </p:nvPr>
+        </p:nvSpPr>
+        <p:spPr/>
+        <p:txBody>
+          <a:bodyPr/>
+          <a:lstStyle/>
+          <a:p>
+            <a:r>
+              <a:rPr lang="en-US" altLang="zh-CN" dirty="0"/>
+              <a:t>Extension 1</a:t>
+            </a:r>
+          </a:p>
+          <a:p>
+            <a:r>
+              <a:rPr lang="en-US" altLang="zh-CN" dirty="0"/>
+              <a:t>Extension 2: Optimization of Algorithm</a:t>
+            </a:r>
+          </a:p>
+          <a:p>
+            <a:r>
+              <a:rPr lang="en-US" altLang="zh-CN" dirty="0"/>
+              <a:t>Extension 3: v-t graph, x-t graph</a:t>
+            </a:r>
+          </a:p>
+          <a:p>
+            <a:r>
+              <a:rPr lang="en-US" altLang="zh-CN" dirty="0"/>
+              <a:t>Extension 4: Encapsulation, </a:t>
+            </a:r>
+            <a:r>
+              <a:rPr lang="en-US" altLang="zh-CN" dirty="0" err="1"/>
+              <a:t>varargin</a:t>
+            </a:r>
+            <a:r>
+              <a:rPr lang="en-US" altLang="zh-CN" dirty="0"/>
+              <a:t>, Git</a:t>
+            </a:r>
+            <a:endParaRPr lang="zh-CN" altLang="en-US" dirty="0"/>
+          </a:p>
+        </p:txBody>
+      </p:sp>
+    </p:spTree>
+    <p:extLst>
+      <p:ext uri="{BB962C8B-B14F-4D97-AF65-F5344CB8AC3E}">
+        <p14:creationId xmlns:p14="http://schemas.microsoft.com/office/powerpoint/2010/main" val="1248192744"/>
       </p:ext>
     </p:extLst>
   </p:cSld>

--- a/Project 2.pptx
+++ b/Project 2.pptx
@@ -6,15 +6,17 @@
   </p:sldMasterIdLst>
   <p:sldIdLst>
     <p:sldId id="256" r:id="rId2"/>
-    <p:sldId id="257" r:id="rId3"/>
-    <p:sldId id="260" r:id="rId4"/>
-    <p:sldId id="258" r:id="rId5"/>
-    <p:sldId id="259" r:id="rId6"/>
-    <p:sldId id="261" r:id="rId7"/>
-    <p:sldId id="262" r:id="rId8"/>
-    <p:sldId id="263" r:id="rId9"/>
-    <p:sldId id="264" r:id="rId10"/>
-    <p:sldId id="265" r:id="rId11"/>
+    <p:sldId id="268" r:id="rId3"/>
+    <p:sldId id="267" r:id="rId4"/>
+    <p:sldId id="257" r:id="rId5"/>
+    <p:sldId id="260" r:id="rId6"/>
+    <p:sldId id="258" r:id="rId7"/>
+    <p:sldId id="259" r:id="rId8"/>
+    <p:sldId id="261" r:id="rId9"/>
+    <p:sldId id="262" r:id="rId10"/>
+    <p:sldId id="263" r:id="rId11"/>
+    <p:sldId id="264" r:id="rId12"/>
+    <p:sldId id="265" r:id="rId13"/>
   </p:sldIdLst>
   <p:sldSz cx="12192000" cy="6858000"/>
   <p:notesSz cx="6858000" cy="9144000"/>
@@ -3426,6 +3428,226 @@
           <p:cNvPr id="2" name="标题 1">
             <a:extLst>
               <a:ext uri="{FF2B5EF4-FFF2-40B4-BE49-F238E27FC236}">
+                <a16:creationId xmlns:a16="http://schemas.microsoft.com/office/drawing/2014/main" id="{90C63FB8-C4FF-9AFF-C4FC-00521A63ECB6}"/>
+              </a:ext>
+            </a:extLst>
+          </p:cNvPr>
+          <p:cNvSpPr>
+            <a:spLocks noGrp="1"/>
+          </p:cNvSpPr>
+          <p:nvPr>
+            <p:ph type="title"/>
+          </p:nvPr>
+        </p:nvSpPr>
+        <p:spPr/>
+        <p:txBody>
+          <a:bodyPr/>
+          <a:lstStyle/>
+          <a:p>
+            <a:r>
+              <a:rPr lang="en-US" altLang="zh-CN" dirty="0"/>
+              <a:t>Ext. 4: Coding Habits</a:t>
+            </a:r>
+            <a:r>
+              <a:rPr lang="en-US" altLang="zh-CN" sz="3600" dirty="0"/>
+              <a:t>—Encapsulation, </a:t>
+            </a:r>
+            <a:r>
+              <a:rPr lang="en-US" altLang="zh-CN" sz="3600" dirty="0" err="1">
+                <a:latin typeface="Consolas" panose="020B0609020204030204" pitchFamily="49" charset="0"/>
+              </a:rPr>
+              <a:t>varargin</a:t>
+            </a:r>
+            <a:endParaRPr lang="zh-CN" altLang="en-US" dirty="0">
+              <a:latin typeface="Consolas" panose="020B0609020204030204" pitchFamily="49" charset="0"/>
+            </a:endParaRPr>
+          </a:p>
+        </p:txBody>
+      </p:sp>
+      <p:pic>
+        <p:nvPicPr>
+          <p:cNvPr id="7" name="图片 6">
+            <a:extLst>
+              <a:ext uri="{FF2B5EF4-FFF2-40B4-BE49-F238E27FC236}">
+                <a16:creationId xmlns:a16="http://schemas.microsoft.com/office/drawing/2014/main" id="{53F202F2-9C81-23EA-46A2-E672EB9C30C1}"/>
+              </a:ext>
+            </a:extLst>
+          </p:cNvPr>
+          <p:cNvPicPr>
+            <a:picLocks noChangeAspect="1"/>
+          </p:cNvPicPr>
+          <p:nvPr/>
+        </p:nvPicPr>
+        <p:blipFill>
+          <a:blip r:embed="rId2"/>
+          <a:stretch>
+            <a:fillRect/>
+          </a:stretch>
+        </p:blipFill>
+        <p:spPr>
+          <a:xfrm>
+            <a:off x="1147618" y="3738133"/>
+            <a:ext cx="9896764" cy="2879722"/>
+          </a:xfrm>
+          <a:prstGeom prst="rect">
+            <a:avLst/>
+          </a:prstGeom>
+        </p:spPr>
+      </p:pic>
+      <p:pic>
+        <p:nvPicPr>
+          <p:cNvPr id="8" name="图片 7">
+            <a:extLst>
+              <a:ext uri="{FF2B5EF4-FFF2-40B4-BE49-F238E27FC236}">
+                <a16:creationId xmlns:a16="http://schemas.microsoft.com/office/drawing/2014/main" id="{DA9F3A86-A51B-4D9D-3AA0-D198EC367CDA}"/>
+              </a:ext>
+            </a:extLst>
+          </p:cNvPr>
+          <p:cNvPicPr>
+            <a:picLocks noChangeAspect="1"/>
+          </p:cNvPicPr>
+          <p:nvPr/>
+        </p:nvPicPr>
+        <p:blipFill>
+          <a:blip r:embed="rId3"/>
+          <a:stretch>
+            <a:fillRect/>
+          </a:stretch>
+        </p:blipFill>
+        <p:spPr>
+          <a:xfrm>
+            <a:off x="2847478" y="1885031"/>
+            <a:ext cx="7106642" cy="2829320"/>
+          </a:xfrm>
+          <a:prstGeom prst="rect">
+            <a:avLst/>
+          </a:prstGeom>
+        </p:spPr>
+      </p:pic>
+    </p:spTree>
+    <p:extLst>
+      <p:ext uri="{BB962C8B-B14F-4D97-AF65-F5344CB8AC3E}">
+        <p14:creationId xmlns:p14="http://schemas.microsoft.com/office/powerpoint/2010/main" val="3153939457"/>
+      </p:ext>
+    </p:extLst>
+  </p:cSld>
+  <p:clrMapOvr>
+    <a:masterClrMapping/>
+  </p:clrMapOvr>
+</p:sld>
+</file>
+
+<file path=ppt/slides/slide11.xml><?xml version="1.0" encoding="utf-8"?>
+<p:sld xmlns:a="http://schemas.openxmlformats.org/drawingml/2006/main" xmlns:r="http://schemas.openxmlformats.org/officeDocument/2006/relationships" xmlns:p="http://schemas.openxmlformats.org/presentationml/2006/main">
+  <p:cSld>
+    <p:spTree>
+      <p:nvGrpSpPr>
+        <p:cNvPr id="1" name=""/>
+        <p:cNvGrpSpPr/>
+        <p:nvPr/>
+      </p:nvGrpSpPr>
+      <p:grpSpPr>
+        <a:xfrm>
+          <a:off x="0" y="0"/>
+          <a:ext cx="0" cy="0"/>
+          <a:chOff x="0" y="0"/>
+          <a:chExt cx="0" cy="0"/>
+        </a:xfrm>
+      </p:grpSpPr>
+      <p:sp>
+        <p:nvSpPr>
+          <p:cNvPr id="2" name="标题 1">
+            <a:extLst>
+              <a:ext uri="{FF2B5EF4-FFF2-40B4-BE49-F238E27FC236}">
+                <a16:creationId xmlns:a16="http://schemas.microsoft.com/office/drawing/2014/main" id="{26E11EAB-FE1E-4140-13A7-2E4F1948A501}"/>
+              </a:ext>
+            </a:extLst>
+          </p:cNvPr>
+          <p:cNvSpPr>
+            <a:spLocks noGrp="1"/>
+          </p:cNvSpPr>
+          <p:nvPr>
+            <p:ph type="title"/>
+          </p:nvPr>
+        </p:nvSpPr>
+        <p:spPr/>
+        <p:txBody>
+          <a:bodyPr/>
+          <a:lstStyle/>
+          <a:p>
+            <a:r>
+              <a:rPr lang="en-US" altLang="zh-CN" dirty="0"/>
+              <a:t>Ext 4: Coding Habits——Git</a:t>
+            </a:r>
+            <a:endParaRPr lang="zh-CN" altLang="en-US" dirty="0"/>
+          </a:p>
+        </p:txBody>
+      </p:sp>
+      <p:pic>
+        <p:nvPicPr>
+          <p:cNvPr id="4" name="图片 3">
+            <a:extLst>
+              <a:ext uri="{FF2B5EF4-FFF2-40B4-BE49-F238E27FC236}">
+                <a16:creationId xmlns:a16="http://schemas.microsoft.com/office/drawing/2014/main" id="{4E8161B0-2BB1-220D-EE07-5CF4D382D771}"/>
+              </a:ext>
+            </a:extLst>
+          </p:cNvPr>
+          <p:cNvPicPr>
+            <a:picLocks noChangeAspect="1"/>
+          </p:cNvPicPr>
+          <p:nvPr/>
+        </p:nvPicPr>
+        <p:blipFill>
+          <a:blip r:embed="rId2"/>
+          <a:stretch>
+            <a:fillRect/>
+          </a:stretch>
+        </p:blipFill>
+        <p:spPr>
+          <a:xfrm>
+            <a:off x="2428363" y="1520131"/>
+            <a:ext cx="7335274" cy="4972744"/>
+          </a:xfrm>
+          <a:prstGeom prst="rect">
+            <a:avLst/>
+          </a:prstGeom>
+        </p:spPr>
+      </p:pic>
+    </p:spTree>
+    <p:extLst>
+      <p:ext uri="{BB962C8B-B14F-4D97-AF65-F5344CB8AC3E}">
+        <p14:creationId xmlns:p14="http://schemas.microsoft.com/office/powerpoint/2010/main" val="631145581"/>
+      </p:ext>
+    </p:extLst>
+  </p:cSld>
+  <p:clrMapOvr>
+    <a:masterClrMapping/>
+  </p:clrMapOvr>
+</p:sld>
+</file>
+
+<file path=ppt/slides/slide12.xml><?xml version="1.0" encoding="utf-8"?>
+<p:sld xmlns:a="http://schemas.openxmlformats.org/drawingml/2006/main" xmlns:r="http://schemas.openxmlformats.org/officeDocument/2006/relationships" xmlns:p="http://schemas.openxmlformats.org/presentationml/2006/main">
+  <p:cSld>
+    <p:spTree>
+      <p:nvGrpSpPr>
+        <p:cNvPr id="1" name=""/>
+        <p:cNvGrpSpPr/>
+        <p:nvPr/>
+      </p:nvGrpSpPr>
+      <p:grpSpPr>
+        <a:xfrm>
+          <a:off x="0" y="0"/>
+          <a:ext cx="0" cy="0"/>
+          <a:chOff x="0" y="0"/>
+          <a:chExt cx="0" cy="0"/>
+        </a:xfrm>
+      </p:grpSpPr>
+      <p:sp>
+        <p:nvSpPr>
+          <p:cNvPr id="2" name="标题 1">
+            <a:extLst>
+              <a:ext uri="{FF2B5EF4-FFF2-40B4-BE49-F238E27FC236}">
                 <a16:creationId xmlns:a16="http://schemas.microsoft.com/office/drawing/2014/main" id="{6F8DEE4F-D931-1264-AB00-FB58EC6F9AA7}"/>
               </a:ext>
             </a:extLst>
@@ -3519,6 +3741,324 @@
 </file>
 
 <file path=ppt/slides/slide2.xml><?xml version="1.0" encoding="utf-8"?>
+<p:sld xmlns:a="http://schemas.openxmlformats.org/drawingml/2006/main" xmlns:r="http://schemas.openxmlformats.org/officeDocument/2006/relationships" xmlns:p="http://schemas.openxmlformats.org/presentationml/2006/main">
+  <p:cSld>
+    <p:spTree>
+      <p:nvGrpSpPr>
+        <p:cNvPr id="1" name=""/>
+        <p:cNvGrpSpPr/>
+        <p:nvPr/>
+      </p:nvGrpSpPr>
+      <p:grpSpPr>
+        <a:xfrm>
+          <a:off x="0" y="0"/>
+          <a:ext cx="0" cy="0"/>
+          <a:chOff x="0" y="0"/>
+          <a:chExt cx="0" cy="0"/>
+        </a:xfrm>
+      </p:grpSpPr>
+      <p:sp>
+        <p:nvSpPr>
+          <p:cNvPr id="2" name="标题 1">
+            <a:extLst>
+              <a:ext uri="{FF2B5EF4-FFF2-40B4-BE49-F238E27FC236}">
+                <a16:creationId xmlns:a16="http://schemas.microsoft.com/office/drawing/2014/main" id="{8274CB31-2F2E-3D0F-50E7-5379D2D1E6EC}"/>
+              </a:ext>
+            </a:extLst>
+          </p:cNvPr>
+          <p:cNvSpPr>
+            <a:spLocks noGrp="1"/>
+          </p:cNvSpPr>
+          <p:nvPr>
+            <p:ph type="title"/>
+          </p:nvPr>
+        </p:nvSpPr>
+        <p:spPr/>
+        <p:txBody>
+          <a:bodyPr/>
+          <a:lstStyle/>
+          <a:p>
+            <a:r>
+              <a:rPr lang="en-US" altLang="zh-CN" dirty="0"/>
+              <a:t>Intro.1:Time Domain Processing of Signal </a:t>
+            </a:r>
+            <a:endParaRPr lang="zh-CN" altLang="en-US" dirty="0"/>
+          </a:p>
+        </p:txBody>
+      </p:sp>
+      <p:sp>
+        <p:nvSpPr>
+          <p:cNvPr id="3" name="内容占位符 2">
+            <a:extLst>
+              <a:ext uri="{FF2B5EF4-FFF2-40B4-BE49-F238E27FC236}">
+                <a16:creationId xmlns:a16="http://schemas.microsoft.com/office/drawing/2014/main" id="{083EA3E7-692C-6BA3-81F6-AD81FE29501A}"/>
+              </a:ext>
+            </a:extLst>
+          </p:cNvPr>
+          <p:cNvSpPr>
+            <a:spLocks noGrp="1"/>
+          </p:cNvSpPr>
+          <p:nvPr>
+            <p:ph idx="1"/>
+          </p:nvPr>
+        </p:nvSpPr>
+        <p:spPr>
+          <a:xfrm>
+            <a:off x="838200" y="1825625"/>
+            <a:ext cx="10515600" cy="4667250"/>
+          </a:xfrm>
+        </p:spPr>
+        <p:txBody>
+          <a:bodyPr>
+            <a:normAutofit/>
+          </a:bodyPr>
+          <a:lstStyle/>
+          <a:p>
+            <a:r>
+              <a:rPr lang="fr-FR" altLang="zh-CN" dirty="0"/>
+              <a:t>Digital Downconversion(DDC):</a:t>
+            </a:r>
+          </a:p>
+          <a:p>
+            <a:endParaRPr lang="en-US" altLang="zh-CN" dirty="0"/>
+          </a:p>
+          <a:p>
+            <a:pPr marL="0" indent="0">
+              <a:buNone/>
+            </a:pPr>
+            <a:endParaRPr lang="en-US" altLang="zh-CN" dirty="0"/>
+          </a:p>
+          <a:p>
+            <a:r>
+              <a:rPr lang="en-US" altLang="zh-CN" dirty="0"/>
+              <a:t>Low-Pass Filter(LPF)</a:t>
+            </a:r>
+            <a:endParaRPr lang="zh-CN" altLang="en-US" dirty="0"/>
+          </a:p>
+        </p:txBody>
+      </p:sp>
+      <p:pic>
+        <p:nvPicPr>
+          <p:cNvPr id="5" name="图片 4">
+            <a:extLst>
+              <a:ext uri="{FF2B5EF4-FFF2-40B4-BE49-F238E27FC236}">
+                <a16:creationId xmlns:a16="http://schemas.microsoft.com/office/drawing/2014/main" id="{80859E6C-0DA5-B257-87C5-DBD7F9904A08}"/>
+              </a:ext>
+            </a:extLst>
+          </p:cNvPr>
+          <p:cNvPicPr>
+            <a:picLocks noChangeAspect="1"/>
+          </p:cNvPicPr>
+          <p:nvPr/>
+        </p:nvPicPr>
+        <p:blipFill>
+          <a:blip r:embed="rId2"/>
+          <a:stretch>
+            <a:fillRect/>
+          </a:stretch>
+        </p:blipFill>
+        <p:spPr>
+          <a:xfrm>
+            <a:off x="4719213" y="2562890"/>
+            <a:ext cx="2753574" cy="866110"/>
+          </a:xfrm>
+          <a:prstGeom prst="rect">
+            <a:avLst/>
+          </a:prstGeom>
+        </p:spPr>
+      </p:pic>
+      <p:pic>
+        <p:nvPicPr>
+          <p:cNvPr id="9" name="图片 8">
+            <a:extLst>
+              <a:ext uri="{FF2B5EF4-FFF2-40B4-BE49-F238E27FC236}">
+                <a16:creationId xmlns:a16="http://schemas.microsoft.com/office/drawing/2014/main" id="{69E06037-87E7-59A3-FE27-5B3337684ACD}"/>
+              </a:ext>
+            </a:extLst>
+          </p:cNvPr>
+          <p:cNvPicPr>
+            <a:picLocks noChangeAspect="1"/>
+          </p:cNvPicPr>
+          <p:nvPr/>
+        </p:nvPicPr>
+        <p:blipFill>
+          <a:blip r:embed="rId3"/>
+          <a:stretch>
+            <a:fillRect/>
+          </a:stretch>
+        </p:blipFill>
+        <p:spPr>
+          <a:xfrm>
+            <a:off x="1750823" y="4744999"/>
+            <a:ext cx="8690353" cy="794672"/>
+          </a:xfrm>
+          <a:prstGeom prst="rect">
+            <a:avLst/>
+          </a:prstGeom>
+        </p:spPr>
+      </p:pic>
+    </p:spTree>
+    <p:extLst>
+      <p:ext uri="{BB962C8B-B14F-4D97-AF65-F5344CB8AC3E}">
+        <p14:creationId xmlns:p14="http://schemas.microsoft.com/office/powerpoint/2010/main" val="464056029"/>
+      </p:ext>
+    </p:extLst>
+  </p:cSld>
+  <p:clrMapOvr>
+    <a:masterClrMapping/>
+  </p:clrMapOvr>
+</p:sld>
+</file>
+
+<file path=ppt/slides/slide3.xml><?xml version="1.0" encoding="utf-8"?>
+<p:sld xmlns:a="http://schemas.openxmlformats.org/drawingml/2006/main" xmlns:r="http://schemas.openxmlformats.org/officeDocument/2006/relationships" xmlns:p="http://schemas.openxmlformats.org/presentationml/2006/main">
+  <p:cSld>
+    <p:spTree>
+      <p:nvGrpSpPr>
+        <p:cNvPr id="1" name=""/>
+        <p:cNvGrpSpPr/>
+        <p:nvPr/>
+      </p:nvGrpSpPr>
+      <p:grpSpPr>
+        <a:xfrm>
+          <a:off x="0" y="0"/>
+          <a:ext cx="0" cy="0"/>
+          <a:chOff x="0" y="0"/>
+          <a:chExt cx="0" cy="0"/>
+        </a:xfrm>
+      </p:grpSpPr>
+      <p:sp>
+        <p:nvSpPr>
+          <p:cNvPr id="2" name="标题 1">
+            <a:extLst>
+              <a:ext uri="{FF2B5EF4-FFF2-40B4-BE49-F238E27FC236}">
+                <a16:creationId xmlns:a16="http://schemas.microsoft.com/office/drawing/2014/main" id="{F13A5E81-3EA1-E404-43B6-E1FD11613D23}"/>
+              </a:ext>
+            </a:extLst>
+          </p:cNvPr>
+          <p:cNvSpPr>
+            <a:spLocks noGrp="1"/>
+          </p:cNvSpPr>
+          <p:nvPr>
+            <p:ph type="title"/>
+          </p:nvPr>
+        </p:nvSpPr>
+        <p:spPr/>
+        <p:txBody>
+          <a:bodyPr/>
+          <a:lstStyle/>
+          <a:p>
+            <a:r>
+              <a:rPr lang="en-US" altLang="zh-CN" dirty="0"/>
+              <a:t>Intro. 2: Principles of Motion Detection</a:t>
+            </a:r>
+            <a:endParaRPr lang="zh-CN" altLang="en-US" dirty="0"/>
+          </a:p>
+        </p:txBody>
+      </p:sp>
+      <p:pic>
+        <p:nvPicPr>
+          <p:cNvPr id="5" name="内容占位符 4">
+            <a:extLst>
+              <a:ext uri="{FF2B5EF4-FFF2-40B4-BE49-F238E27FC236}">
+                <a16:creationId xmlns:a16="http://schemas.microsoft.com/office/drawing/2014/main" id="{05093AB5-841F-A21F-5FEE-05000A3B8EE4}"/>
+              </a:ext>
+            </a:extLst>
+          </p:cNvPr>
+          <p:cNvPicPr>
+            <a:picLocks noGrp="1" noChangeAspect="1"/>
+          </p:cNvPicPr>
+          <p:nvPr>
+            <p:ph idx="1"/>
+          </p:nvPr>
+        </p:nvPicPr>
+        <p:blipFill>
+          <a:blip r:embed="rId2"/>
+          <a:stretch>
+            <a:fillRect/>
+          </a:stretch>
+        </p:blipFill>
+        <p:spPr>
+          <a:xfrm>
+            <a:off x="780326" y="1690688"/>
+            <a:ext cx="4959605" cy="3264068"/>
+          </a:xfrm>
+        </p:spPr>
+      </p:pic>
+      <p:pic>
+        <p:nvPicPr>
+          <p:cNvPr id="7" name="图片 6">
+            <a:extLst>
+              <a:ext uri="{FF2B5EF4-FFF2-40B4-BE49-F238E27FC236}">
+                <a16:creationId xmlns:a16="http://schemas.microsoft.com/office/drawing/2014/main" id="{D9A4D172-B42B-16ED-1442-7E2A3901B607}"/>
+              </a:ext>
+            </a:extLst>
+          </p:cNvPr>
+          <p:cNvPicPr>
+            <a:picLocks noChangeAspect="1"/>
+          </p:cNvPicPr>
+          <p:nvPr/>
+        </p:nvPicPr>
+        <p:blipFill>
+          <a:blip r:embed="rId3"/>
+          <a:stretch>
+            <a:fillRect/>
+          </a:stretch>
+        </p:blipFill>
+        <p:spPr>
+          <a:xfrm>
+            <a:off x="5960697" y="1791902"/>
+            <a:ext cx="5822331" cy="1164466"/>
+          </a:xfrm>
+          <a:prstGeom prst="rect">
+            <a:avLst/>
+          </a:prstGeom>
+        </p:spPr>
+      </p:pic>
+      <p:pic>
+        <p:nvPicPr>
+          <p:cNvPr id="9" name="图片 8">
+            <a:extLst>
+              <a:ext uri="{FF2B5EF4-FFF2-40B4-BE49-F238E27FC236}">
+                <a16:creationId xmlns:a16="http://schemas.microsoft.com/office/drawing/2014/main" id="{35E736EC-7346-DBB4-EAD5-0E4E1EA77EA0}"/>
+              </a:ext>
+            </a:extLst>
+          </p:cNvPr>
+          <p:cNvPicPr>
+            <a:picLocks noChangeAspect="1"/>
+          </p:cNvPicPr>
+          <p:nvPr/>
+        </p:nvPicPr>
+        <p:blipFill>
+          <a:blip r:embed="rId4"/>
+          <a:stretch>
+            <a:fillRect/>
+          </a:stretch>
+        </p:blipFill>
+        <p:spPr>
+          <a:xfrm>
+            <a:off x="5960697" y="3764988"/>
+            <a:ext cx="5822331" cy="1402280"/>
+          </a:xfrm>
+          <a:prstGeom prst="rect">
+            <a:avLst/>
+          </a:prstGeom>
+        </p:spPr>
+      </p:pic>
+    </p:spTree>
+    <p:extLst>
+      <p:ext uri="{BB962C8B-B14F-4D97-AF65-F5344CB8AC3E}">
+        <p14:creationId xmlns:p14="http://schemas.microsoft.com/office/powerpoint/2010/main" val="467261905"/>
+      </p:ext>
+    </p:extLst>
+  </p:cSld>
+  <p:clrMapOvr>
+    <a:masterClrMapping/>
+  </p:clrMapOvr>
+</p:sld>
+</file>
+
+<file path=ppt/slides/slide4.xml><?xml version="1.0" encoding="utf-8"?>
 <p:sld xmlns:a="http://schemas.openxmlformats.org/drawingml/2006/main" xmlns:r="http://schemas.openxmlformats.org/officeDocument/2006/relationships" xmlns:p="http://schemas.openxmlformats.org/presentationml/2006/main">
   <p:cSld>
     <p:spTree>
@@ -3606,7 +4146,7 @@
 </p:sld>
 </file>
 
-<file path=ppt/slides/slide3.xml><?xml version="1.0" encoding="utf-8"?>
+<file path=ppt/slides/slide5.xml><?xml version="1.0" encoding="utf-8"?>
 <p:sld xmlns:a="http://schemas.openxmlformats.org/drawingml/2006/main" xmlns:r="http://schemas.openxmlformats.org/officeDocument/2006/relationships" xmlns:p="http://schemas.openxmlformats.org/presentationml/2006/main">
   <p:cSld>
     <p:spTree>
@@ -3695,7 +4235,7 @@
 </p:sld>
 </file>
 
-<file path=ppt/slides/slide4.xml><?xml version="1.0" encoding="utf-8"?>
+<file path=ppt/slides/slide6.xml><?xml version="1.0" encoding="utf-8"?>
 <p:sld xmlns:a="http://schemas.openxmlformats.org/drawingml/2006/main" xmlns:r="http://schemas.openxmlformats.org/officeDocument/2006/relationships" xmlns:p="http://schemas.openxmlformats.org/presentationml/2006/main">
   <p:cSld>
     <p:spTree>
@@ -3995,7 +4535,7 @@
 </p:sld>
 </file>
 
-<file path=ppt/slides/slide5.xml><?xml version="1.0" encoding="utf-8"?>
+<file path=ppt/slides/slide7.xml><?xml version="1.0" encoding="utf-8"?>
 <p:sld xmlns:a="http://schemas.openxmlformats.org/drawingml/2006/main" xmlns:r="http://schemas.openxmlformats.org/officeDocument/2006/relationships" xmlns:p="http://schemas.openxmlformats.org/presentationml/2006/main">
   <p:cSld>
     <p:spTree>
@@ -4351,7 +4891,7 @@
 </p:sld>
 </file>
 
-<file path=ppt/slides/slide6.xml><?xml version="1.0" encoding="utf-8"?>
+<file path=ppt/slides/slide8.xml><?xml version="1.0" encoding="utf-8"?>
 <p:sld xmlns:a="http://schemas.openxmlformats.org/drawingml/2006/main" xmlns:r="http://schemas.openxmlformats.org/officeDocument/2006/relationships" xmlns:p="http://schemas.openxmlformats.org/presentationml/2006/main">
   <p:cSld>
     <p:spTree>
@@ -4440,7 +4980,7 @@
 </p:sld>
 </file>
 
-<file path=ppt/slides/slide7.xml><?xml version="1.0" encoding="utf-8"?>
+<file path=ppt/slides/slide9.xml><?xml version="1.0" encoding="utf-8"?>
 <p:sld xmlns:a="http://schemas.openxmlformats.org/drawingml/2006/main" xmlns:r="http://schemas.openxmlformats.org/officeDocument/2006/relationships" xmlns:p="http://schemas.openxmlformats.org/presentationml/2006/main">
   <p:cSld>
     <p:spTree>
@@ -4602,226 +5142,6 @@
     <p:extLst>
       <p:ext uri="{BB962C8B-B14F-4D97-AF65-F5344CB8AC3E}">
         <p14:creationId xmlns:p14="http://schemas.microsoft.com/office/powerpoint/2010/main" val="2808849538"/>
-      </p:ext>
-    </p:extLst>
-  </p:cSld>
-  <p:clrMapOvr>
-    <a:masterClrMapping/>
-  </p:clrMapOvr>
-</p:sld>
-</file>
-
-<file path=ppt/slides/slide8.xml><?xml version="1.0" encoding="utf-8"?>
-<p:sld xmlns:a="http://schemas.openxmlformats.org/drawingml/2006/main" xmlns:r="http://schemas.openxmlformats.org/officeDocument/2006/relationships" xmlns:p="http://schemas.openxmlformats.org/presentationml/2006/main">
-  <p:cSld>
-    <p:spTree>
-      <p:nvGrpSpPr>
-        <p:cNvPr id="1" name=""/>
-        <p:cNvGrpSpPr/>
-        <p:nvPr/>
-      </p:nvGrpSpPr>
-      <p:grpSpPr>
-        <a:xfrm>
-          <a:off x="0" y="0"/>
-          <a:ext cx="0" cy="0"/>
-          <a:chOff x="0" y="0"/>
-          <a:chExt cx="0" cy="0"/>
-        </a:xfrm>
-      </p:grpSpPr>
-      <p:sp>
-        <p:nvSpPr>
-          <p:cNvPr id="2" name="标题 1">
-            <a:extLst>
-              <a:ext uri="{FF2B5EF4-FFF2-40B4-BE49-F238E27FC236}">
-                <a16:creationId xmlns:a16="http://schemas.microsoft.com/office/drawing/2014/main" id="{90C63FB8-C4FF-9AFF-C4FC-00521A63ECB6}"/>
-              </a:ext>
-            </a:extLst>
-          </p:cNvPr>
-          <p:cNvSpPr>
-            <a:spLocks noGrp="1"/>
-          </p:cNvSpPr>
-          <p:nvPr>
-            <p:ph type="title"/>
-          </p:nvPr>
-        </p:nvSpPr>
-        <p:spPr/>
-        <p:txBody>
-          <a:bodyPr/>
-          <a:lstStyle/>
-          <a:p>
-            <a:r>
-              <a:rPr lang="en-US" altLang="zh-CN" dirty="0"/>
-              <a:t>Ext. 4: Coding Habits</a:t>
-            </a:r>
-            <a:r>
-              <a:rPr lang="en-US" altLang="zh-CN" sz="3600" dirty="0"/>
-              <a:t>—Encapsulation, </a:t>
-            </a:r>
-            <a:r>
-              <a:rPr lang="en-US" altLang="zh-CN" sz="3600" dirty="0" err="1">
-                <a:latin typeface="Consolas" panose="020B0609020204030204" pitchFamily="49" charset="0"/>
-              </a:rPr>
-              <a:t>varargin</a:t>
-            </a:r>
-            <a:endParaRPr lang="zh-CN" altLang="en-US" dirty="0">
-              <a:latin typeface="Consolas" panose="020B0609020204030204" pitchFamily="49" charset="0"/>
-            </a:endParaRPr>
-          </a:p>
-        </p:txBody>
-      </p:sp>
-      <p:pic>
-        <p:nvPicPr>
-          <p:cNvPr id="7" name="图片 6">
-            <a:extLst>
-              <a:ext uri="{FF2B5EF4-FFF2-40B4-BE49-F238E27FC236}">
-                <a16:creationId xmlns:a16="http://schemas.microsoft.com/office/drawing/2014/main" id="{53F202F2-9C81-23EA-46A2-E672EB9C30C1}"/>
-              </a:ext>
-            </a:extLst>
-          </p:cNvPr>
-          <p:cNvPicPr>
-            <a:picLocks noChangeAspect="1"/>
-          </p:cNvPicPr>
-          <p:nvPr/>
-        </p:nvPicPr>
-        <p:blipFill>
-          <a:blip r:embed="rId2"/>
-          <a:stretch>
-            <a:fillRect/>
-          </a:stretch>
-        </p:blipFill>
-        <p:spPr>
-          <a:xfrm>
-            <a:off x="1147618" y="3738133"/>
-            <a:ext cx="9896764" cy="2879722"/>
-          </a:xfrm>
-          <a:prstGeom prst="rect">
-            <a:avLst/>
-          </a:prstGeom>
-        </p:spPr>
-      </p:pic>
-      <p:pic>
-        <p:nvPicPr>
-          <p:cNvPr id="8" name="图片 7">
-            <a:extLst>
-              <a:ext uri="{FF2B5EF4-FFF2-40B4-BE49-F238E27FC236}">
-                <a16:creationId xmlns:a16="http://schemas.microsoft.com/office/drawing/2014/main" id="{DA9F3A86-A51B-4D9D-3AA0-D198EC367CDA}"/>
-              </a:ext>
-            </a:extLst>
-          </p:cNvPr>
-          <p:cNvPicPr>
-            <a:picLocks noChangeAspect="1"/>
-          </p:cNvPicPr>
-          <p:nvPr/>
-        </p:nvPicPr>
-        <p:blipFill>
-          <a:blip r:embed="rId3"/>
-          <a:stretch>
-            <a:fillRect/>
-          </a:stretch>
-        </p:blipFill>
-        <p:spPr>
-          <a:xfrm>
-            <a:off x="2847478" y="1885031"/>
-            <a:ext cx="7106642" cy="2829320"/>
-          </a:xfrm>
-          <a:prstGeom prst="rect">
-            <a:avLst/>
-          </a:prstGeom>
-        </p:spPr>
-      </p:pic>
-    </p:spTree>
-    <p:extLst>
-      <p:ext uri="{BB962C8B-B14F-4D97-AF65-F5344CB8AC3E}">
-        <p14:creationId xmlns:p14="http://schemas.microsoft.com/office/powerpoint/2010/main" val="3153939457"/>
-      </p:ext>
-    </p:extLst>
-  </p:cSld>
-  <p:clrMapOvr>
-    <a:masterClrMapping/>
-  </p:clrMapOvr>
-</p:sld>
-</file>
-
-<file path=ppt/slides/slide9.xml><?xml version="1.0" encoding="utf-8"?>
-<p:sld xmlns:a="http://schemas.openxmlformats.org/drawingml/2006/main" xmlns:r="http://schemas.openxmlformats.org/officeDocument/2006/relationships" xmlns:p="http://schemas.openxmlformats.org/presentationml/2006/main">
-  <p:cSld>
-    <p:spTree>
-      <p:nvGrpSpPr>
-        <p:cNvPr id="1" name=""/>
-        <p:cNvGrpSpPr/>
-        <p:nvPr/>
-      </p:nvGrpSpPr>
-      <p:grpSpPr>
-        <a:xfrm>
-          <a:off x="0" y="0"/>
-          <a:ext cx="0" cy="0"/>
-          <a:chOff x="0" y="0"/>
-          <a:chExt cx="0" cy="0"/>
-        </a:xfrm>
-      </p:grpSpPr>
-      <p:sp>
-        <p:nvSpPr>
-          <p:cNvPr id="2" name="标题 1">
-            <a:extLst>
-              <a:ext uri="{FF2B5EF4-FFF2-40B4-BE49-F238E27FC236}">
-                <a16:creationId xmlns:a16="http://schemas.microsoft.com/office/drawing/2014/main" id="{26E11EAB-FE1E-4140-13A7-2E4F1948A501}"/>
-              </a:ext>
-            </a:extLst>
-          </p:cNvPr>
-          <p:cNvSpPr>
-            <a:spLocks noGrp="1"/>
-          </p:cNvSpPr>
-          <p:nvPr>
-            <p:ph type="title"/>
-          </p:nvPr>
-        </p:nvSpPr>
-        <p:spPr/>
-        <p:txBody>
-          <a:bodyPr/>
-          <a:lstStyle/>
-          <a:p>
-            <a:r>
-              <a:rPr lang="en-US" altLang="zh-CN" dirty="0"/>
-              <a:t>Ext 4: Coding Habits——Git</a:t>
-            </a:r>
-            <a:endParaRPr lang="zh-CN" altLang="en-US" dirty="0"/>
-          </a:p>
-        </p:txBody>
-      </p:sp>
-      <p:pic>
-        <p:nvPicPr>
-          <p:cNvPr id="4" name="图片 3">
-            <a:extLst>
-              <a:ext uri="{FF2B5EF4-FFF2-40B4-BE49-F238E27FC236}">
-                <a16:creationId xmlns:a16="http://schemas.microsoft.com/office/drawing/2014/main" id="{4E8161B0-2BB1-220D-EE07-5CF4D382D771}"/>
-              </a:ext>
-            </a:extLst>
-          </p:cNvPr>
-          <p:cNvPicPr>
-            <a:picLocks noChangeAspect="1"/>
-          </p:cNvPicPr>
-          <p:nvPr/>
-        </p:nvPicPr>
-        <p:blipFill>
-          <a:blip r:embed="rId2"/>
-          <a:stretch>
-            <a:fillRect/>
-          </a:stretch>
-        </p:blipFill>
-        <p:spPr>
-          <a:xfrm>
-            <a:off x="2428363" y="1520131"/>
-            <a:ext cx="7335274" cy="4972744"/>
-          </a:xfrm>
-          <a:prstGeom prst="rect">
-            <a:avLst/>
-          </a:prstGeom>
-        </p:spPr>
-      </p:pic>
-    </p:spTree>
-    <p:extLst>
-      <p:ext uri="{BB962C8B-B14F-4D97-AF65-F5344CB8AC3E}">
-        <p14:creationId xmlns:p14="http://schemas.microsoft.com/office/powerpoint/2010/main" val="631145581"/>
       </p:ext>
     </p:extLst>
   </p:cSld>

--- a/Project 2.pptx
+++ b/Project 2.pptx
@@ -4618,10 +4618,10 @@
       </p:pic>
       <p:pic>
         <p:nvPicPr>
-          <p:cNvPr id="8" name="图片 7" descr="图表, 直方图&#10;&#10;描述已自动生成">
-            <a:extLst>
-              <a:ext uri="{FF2B5EF4-FFF2-40B4-BE49-F238E27FC236}">
-                <a16:creationId xmlns:a16="http://schemas.microsoft.com/office/drawing/2014/main" id="{469F8047-0D9E-8560-33DC-28A9D9011D36}"/>
+          <p:cNvPr id="10" name="图片 9" descr="图表, 直方图&#10;&#10;描述已自动生成">
+            <a:extLst>
+              <a:ext uri="{FF2B5EF4-FFF2-40B4-BE49-F238E27FC236}">
+                <a16:creationId xmlns:a16="http://schemas.microsoft.com/office/drawing/2014/main" id="{1EEFB4E0-199C-780E-8CA7-0D67497D1416}"/>
               </a:ext>
             </a:extLst>
           </p:cNvPr>
@@ -4632,42 +4632,6 @@
         </p:nvPicPr>
         <p:blipFill>
           <a:blip r:embed="rId3">
-            <a:extLst>
-              <a:ext uri="{28A0092B-C50C-407E-A947-70E740481C1C}">
-                <a14:useLocalDpi xmlns:a14="http://schemas.microsoft.com/office/drawing/2010/main" val="0"/>
-              </a:ext>
-            </a:extLst>
-          </a:blip>
-          <a:stretch>
-            <a:fillRect/>
-          </a:stretch>
-        </p:blipFill>
-        <p:spPr>
-          <a:xfrm>
-            <a:off x="119472" y="2945266"/>
-            <a:ext cx="3941057" cy="3636963"/>
-          </a:xfrm>
-          <a:prstGeom prst="rect">
-            <a:avLst/>
-          </a:prstGeom>
-        </p:spPr>
-      </p:pic>
-      <p:pic>
-        <p:nvPicPr>
-          <p:cNvPr id="10" name="图片 9" descr="图表, 直方图&#10;&#10;描述已自动生成">
-            <a:extLst>
-              <a:ext uri="{FF2B5EF4-FFF2-40B4-BE49-F238E27FC236}">
-                <a16:creationId xmlns:a16="http://schemas.microsoft.com/office/drawing/2014/main" id="{1EEFB4E0-199C-780E-8CA7-0D67497D1416}"/>
-              </a:ext>
-            </a:extLst>
-          </p:cNvPr>
-          <p:cNvPicPr>
-            <a:picLocks noChangeAspect="1"/>
-          </p:cNvPicPr>
-          <p:nvPr/>
-        </p:nvPicPr>
-        <p:blipFill>
-          <a:blip r:embed="rId4">
             <a:extLst>
               <a:ext uri="{28A0092B-C50C-407E-A947-70E740481C1C}">
                 <a14:useLocalDpi xmlns:a14="http://schemas.microsoft.com/office/drawing/2010/main" val="0"/>
@@ -4703,7 +4667,7 @@
           <p:nvPr>
             <p:extLst>
               <p:ext uri="{D42A27DB-BD31-4B8C-83A1-F6EECF244321}">
-                <p14:modId xmlns:p14="http://schemas.microsoft.com/office/powerpoint/2010/main" val="4241795443"/>
+                <p14:modId xmlns:p14="http://schemas.microsoft.com/office/powerpoint/2010/main" val="1524552716"/>
               </p:ext>
             </p:extLst>
           </p:nvPr>
@@ -4790,8 +4754,8 @@
                     <a:lstStyle/>
                     <a:p>
                       <a:r>
-                        <a:rPr lang="en-US" altLang="zh-CN" sz="2800" dirty="0"/>
-                        <a:t>627.7s</a:t>
+                        <a:rPr lang="en-US" altLang="zh-CN" sz="2800"/>
+                        <a:t>701.6s</a:t>
                       </a:r>
                       <a:endParaRPr lang="zh-CN" altLang="en-US" sz="2800" dirty="0"/>
                     </a:p>
@@ -4878,6 +4842,42 @@
           </a:graphicData>
         </a:graphic>
       </p:graphicFrame>
+      <p:pic>
+        <p:nvPicPr>
+          <p:cNvPr id="4" name="图片 3" descr="图表, 条形图, 直方图&#10;&#10;描述已自动生成">
+            <a:extLst>
+              <a:ext uri="{FF2B5EF4-FFF2-40B4-BE49-F238E27FC236}">
+                <a16:creationId xmlns:a16="http://schemas.microsoft.com/office/drawing/2014/main" id="{3D81B46B-6D99-2567-0865-02ED9A81FEC8}"/>
+              </a:ext>
+            </a:extLst>
+          </p:cNvPr>
+          <p:cNvPicPr>
+            <a:picLocks noChangeAspect="1"/>
+          </p:cNvPicPr>
+          <p:nvPr/>
+        </p:nvPicPr>
+        <p:blipFill>
+          <a:blip r:embed="rId4">
+            <a:extLst>
+              <a:ext uri="{28A0092B-C50C-407E-A947-70E740481C1C}">
+                <a14:useLocalDpi xmlns:a14="http://schemas.microsoft.com/office/drawing/2010/main" val="0"/>
+              </a:ext>
+            </a:extLst>
+          </a:blip>
+          <a:stretch>
+            <a:fillRect/>
+          </a:stretch>
+        </p:blipFill>
+        <p:spPr>
+          <a:xfrm>
+            <a:off x="0" y="2945266"/>
+            <a:ext cx="3883742" cy="3769514"/>
+          </a:xfrm>
+          <a:prstGeom prst="rect">
+            <a:avLst/>
+          </a:prstGeom>
+        </p:spPr>
+      </p:pic>
     </p:spTree>
     <p:extLst>
       <p:ext uri="{BB962C8B-B14F-4D97-AF65-F5344CB8AC3E}">

--- a/Project 2.pptx
+++ b/Project 2.pptx
@@ -3980,7 +3980,7 @@
         </p:blipFill>
         <p:spPr>
           <a:xfrm>
-            <a:off x="780326" y="1690688"/>
+            <a:off x="780326" y="1515448"/>
             <a:ext cx="4959605" cy="3264068"/>
           </a:xfrm>
         </p:spPr>
@@ -4037,8 +4037,38 @@
         </p:blipFill>
         <p:spPr>
           <a:xfrm>
-            <a:off x="5960697" y="3764988"/>
+            <a:off x="5960697" y="3377236"/>
             <a:ext cx="5822331" cy="1402280"/>
+          </a:xfrm>
+          <a:prstGeom prst="rect">
+            <a:avLst/>
+          </a:prstGeom>
+        </p:spPr>
+      </p:pic>
+      <p:pic>
+        <p:nvPicPr>
+          <p:cNvPr id="4" name="图片 3">
+            <a:extLst>
+              <a:ext uri="{FF2B5EF4-FFF2-40B4-BE49-F238E27FC236}">
+                <a16:creationId xmlns:a16="http://schemas.microsoft.com/office/drawing/2014/main" id="{457F8969-C826-8924-2550-A1C909464489}"/>
+              </a:ext>
+            </a:extLst>
+          </p:cNvPr>
+          <p:cNvPicPr>
+            <a:picLocks noChangeAspect="1"/>
+          </p:cNvPicPr>
+          <p:nvPr/>
+        </p:nvPicPr>
+        <p:blipFill>
+          <a:blip r:embed="rId5"/>
+          <a:stretch>
+            <a:fillRect/>
+          </a:stretch>
+        </p:blipFill>
+        <p:spPr>
+          <a:xfrm>
+            <a:off x="7014391" y="4711409"/>
+            <a:ext cx="3714941" cy="977950"/>
           </a:xfrm>
           <a:prstGeom prst="rect">
             <a:avLst/>
